--- a/4神的屬性.pptx
+++ b/4神的屬性.pptx
@@ -5,7 +5,7 @@
     <p:sldMasterId id="2147483672" r:id="rId1"/>
   </p:sldMasterIdLst>
   <p:notesMasterIdLst>
-    <p:notesMasterId r:id="rId9"/>
+    <p:notesMasterId r:id="rId8"/>
   </p:notesMasterIdLst>
   <p:sldIdLst>
     <p:sldId id="256" r:id="rId2"/>
@@ -13,8 +13,7 @@
     <p:sldId id="265" r:id="rId4"/>
     <p:sldId id="266" r:id="rId5"/>
     <p:sldId id="267" r:id="rId6"/>
-    <p:sldId id="268" r:id="rId7"/>
-    <p:sldId id="269" r:id="rId8"/>
+    <p:sldId id="269" r:id="rId7"/>
   </p:sldIdLst>
   <p:sldSz cx="12192000" cy="6858000"/>
   <p:notesSz cx="6858000" cy="9144000"/>
@@ -214,7 +213,7 @@
           <a:p>
             <a:fld id="{335DED64-DA55-4567-8C92-9D8C3F04398E}" type="datetimeFigureOut">
               <a:rPr lang="zh-TW" altLang="en-US" smtClean="0"/>
-              <a:t>2020/5/30</a:t>
+              <a:t>2020/9/4</a:t>
             </a:fld>
             <a:endParaRPr lang="zh-TW" altLang="en-US"/>
           </a:p>
@@ -747,7 +746,7 @@
             <a:fld id="{86B5546F-C09B-4E63-ABC5-F7C86A7E8D66}" type="datetimeFigureOut">
               <a:rPr lang="en-US" smtClean="0"/>
               <a:pPr/>
-              <a:t>5/30/2020</a:t>
+              <a:t>9/4/2020</a:t>
             </a:fld>
             <a:endParaRPr lang="en-US"/>
           </a:p>
@@ -919,7 +918,7 @@
             <a:fld id="{86B5546F-C09B-4E63-ABC5-F7C86A7E8D66}" type="datetimeFigureOut">
               <a:rPr lang="en-US" smtClean="0"/>
               <a:pPr/>
-              <a:t>5/30/2020</a:t>
+              <a:t>9/4/2020</a:t>
             </a:fld>
             <a:endParaRPr lang="en-US"/>
           </a:p>
@@ -1101,7 +1100,7 @@
             <a:fld id="{86B5546F-C09B-4E63-ABC5-F7C86A7E8D66}" type="datetimeFigureOut">
               <a:rPr lang="en-US" smtClean="0"/>
               <a:pPr/>
-              <a:t>5/30/2020</a:t>
+              <a:t>9/4/2020</a:t>
             </a:fld>
             <a:endParaRPr lang="en-US"/>
           </a:p>
@@ -1273,7 +1272,7 @@
             <a:fld id="{86B5546F-C09B-4E63-ABC5-F7C86A7E8D66}" type="datetimeFigureOut">
               <a:rPr lang="en-US" smtClean="0"/>
               <a:pPr/>
-              <a:t>5/30/2020</a:t>
+              <a:t>9/4/2020</a:t>
             </a:fld>
             <a:endParaRPr lang="en-US"/>
           </a:p>
@@ -1521,7 +1520,7 @@
             <a:fld id="{86B5546F-C09B-4E63-ABC5-F7C86A7E8D66}" type="datetimeFigureOut">
               <a:rPr lang="en-US" smtClean="0"/>
               <a:pPr/>
-              <a:t>5/30/2020</a:t>
+              <a:t>9/4/2020</a:t>
             </a:fld>
             <a:endParaRPr lang="en-US"/>
           </a:p>
@@ -1811,7 +1810,7 @@
             <a:fld id="{86B5546F-C09B-4E63-ABC5-F7C86A7E8D66}" type="datetimeFigureOut">
               <a:rPr lang="en-US" smtClean="0"/>
               <a:pPr/>
-              <a:t>5/30/2020</a:t>
+              <a:t>9/4/2020</a:t>
             </a:fld>
             <a:endParaRPr lang="en-US"/>
           </a:p>
@@ -2235,7 +2234,7 @@
             <a:fld id="{86B5546F-C09B-4E63-ABC5-F7C86A7E8D66}" type="datetimeFigureOut">
               <a:rPr lang="en-US" smtClean="0"/>
               <a:pPr/>
-              <a:t>5/30/2020</a:t>
+              <a:t>9/4/2020</a:t>
             </a:fld>
             <a:endParaRPr lang="en-US"/>
           </a:p>
@@ -2355,7 +2354,7 @@
             <a:fld id="{86B5546F-C09B-4E63-ABC5-F7C86A7E8D66}" type="datetimeFigureOut">
               <a:rPr lang="en-US" smtClean="0"/>
               <a:pPr/>
-              <a:t>5/30/2020</a:t>
+              <a:t>9/4/2020</a:t>
             </a:fld>
             <a:endParaRPr lang="en-US"/>
           </a:p>
@@ -2452,7 +2451,7 @@
             <a:fld id="{86B5546F-C09B-4E63-ABC5-F7C86A7E8D66}" type="datetimeFigureOut">
               <a:rPr lang="en-US" smtClean="0"/>
               <a:pPr/>
-              <a:t>5/30/2020</a:t>
+              <a:t>9/4/2020</a:t>
             </a:fld>
             <a:endParaRPr lang="en-US"/>
           </a:p>
@@ -2731,7 +2730,7 @@
             <a:fld id="{86B5546F-C09B-4E63-ABC5-F7C86A7E8D66}" type="datetimeFigureOut">
               <a:rPr lang="en-US" smtClean="0"/>
               <a:pPr/>
-              <a:t>5/30/2020</a:t>
+              <a:t>9/4/2020</a:t>
             </a:fld>
             <a:endParaRPr lang="en-US"/>
           </a:p>
@@ -2990,7 +2989,7 @@
             <a:fld id="{86B5546F-C09B-4E63-ABC5-F7C86A7E8D66}" type="datetimeFigureOut">
               <a:rPr lang="en-US" smtClean="0"/>
               <a:pPr/>
-              <a:t>5/30/2020</a:t>
+              <a:t>9/4/2020</a:t>
             </a:fld>
             <a:endParaRPr lang="en-US"/>
           </a:p>
@@ -3210,7 +3209,7 @@
             <a:fld id="{86B5546F-C09B-4E63-ABC5-F7C86A7E8D66}" type="datetimeFigureOut">
               <a:rPr lang="en-US" smtClean="0"/>
               <a:pPr/>
-              <a:t>5/30/2020</a:t>
+              <a:t>9/4/2020</a:t>
             </a:fld>
             <a:endParaRPr lang="en-US"/>
           </a:p>
@@ -3660,17 +3659,17 @@
           <a:lstStyle/>
           <a:p>
             <a:r>
-              <a:rPr lang="zh-CN" altLang="en-US" b="1" dirty="0">
+              <a:rPr lang="zh-CN" altLang="en-US" b="1" dirty="0" smtClean="0">
                 <a:solidFill>
                   <a:srgbClr val="002060"/>
                 </a:solidFill>
                 <a:latin typeface="微軟正黑體" pitchFamily="34" charset="-120"/>
                 <a:ea typeface="微軟正黑體" pitchFamily="34" charset="-120"/>
               </a:rPr>
-              <a:t>賽</a:t>
-            </a:r>
-            <a:r>
-              <a:rPr lang="en-US" altLang="zh-CN" b="1" dirty="0">
+              <a:t>賽 </a:t>
+            </a:r>
+            <a:r>
+              <a:rPr lang="en-US" altLang="zh-CN" b="1" dirty="0" smtClean="0">
                 <a:solidFill>
                   <a:srgbClr val="002060"/>
                 </a:solidFill>
@@ -3690,27 +3689,27 @@
               <a:t>：</a:t>
             </a:r>
             <a:r>
-              <a:rPr lang="en-US" altLang="zh-CN" b="1" dirty="0">
+              <a:rPr lang="en-US" altLang="zh-CN" b="1" dirty="0" smtClean="0">
                 <a:solidFill>
                   <a:srgbClr val="002060"/>
                 </a:solidFill>
                 <a:latin typeface="微軟正黑體" pitchFamily="34" charset="-120"/>
                 <a:ea typeface="微軟正黑體" pitchFamily="34" charset="-120"/>
               </a:rPr>
-              <a:t>8-9</a:t>
-            </a:r>
-            <a:r>
-              <a:rPr lang="zh-CN" altLang="en-US" b="1" dirty="0">
+              <a:t>8 – 9</a:t>
+            </a:r>
+            <a:r>
+              <a:rPr lang="zh-CN" altLang="en-US" b="1" dirty="0" smtClean="0">
                 <a:solidFill>
                   <a:srgbClr val="002060"/>
                 </a:solidFill>
                 <a:latin typeface="微軟正黑體" pitchFamily="34" charset="-120"/>
                 <a:ea typeface="微軟正黑體" pitchFamily="34" charset="-120"/>
               </a:rPr>
-              <a:t>；徒</a:t>
-            </a:r>
-            <a:r>
-              <a:rPr lang="en-US" altLang="zh-CN" b="1" dirty="0">
+              <a:t>；徒 </a:t>
+            </a:r>
+            <a:r>
+              <a:rPr lang="en-US" altLang="zh-CN" b="1" dirty="0" smtClean="0">
                 <a:solidFill>
                   <a:srgbClr val="002060"/>
                 </a:solidFill>
@@ -3737,8 +3736,15 @@
                 <a:latin typeface="微軟正黑體" pitchFamily="34" charset="-120"/>
                 <a:ea typeface="微軟正黑體" pitchFamily="34" charset="-120"/>
               </a:rPr>
-              <a:t>24-28</a:t>
-            </a:r>
+              <a:t>24 – 28</a:t>
+            </a:r>
+            <a:endParaRPr lang="en-US" altLang="zh-CN" b="1" dirty="0" smtClean="0">
+              <a:solidFill>
+                <a:srgbClr val="002060"/>
+              </a:solidFill>
+              <a:latin typeface="微軟正黑體" pitchFamily="34" charset="-120"/>
+              <a:ea typeface="微軟正黑體" pitchFamily="34" charset="-120"/>
+            </a:endParaRPr>
           </a:p>
           <a:p>
             <a:r>
@@ -3749,10 +3755,10 @@
                 <a:latin typeface="微軟正黑體" pitchFamily="34" charset="-120"/>
                 <a:ea typeface="微軟正黑體" pitchFamily="34" charset="-120"/>
               </a:rPr>
-              <a:t>羅</a:t>
-            </a:r>
-            <a:r>
-              <a:rPr lang="en-US" altLang="zh-CN" b="1" dirty="0">
+              <a:t>羅 </a:t>
+            </a:r>
+            <a:r>
+              <a:rPr lang="en-US" altLang="zh-CN" b="1" dirty="0" smtClean="0">
                 <a:solidFill>
                   <a:srgbClr val="002060"/>
                 </a:solidFill>
@@ -3772,14 +3778,14 @@
               <a:t>：</a:t>
             </a:r>
             <a:r>
-              <a:rPr lang="en-US" altLang="zh-CN" b="1" dirty="0">
+              <a:rPr lang="en-US" altLang="zh-CN" b="1" dirty="0" smtClean="0">
                 <a:solidFill>
                   <a:srgbClr val="002060"/>
                 </a:solidFill>
                 <a:latin typeface="微軟正黑體" pitchFamily="34" charset="-120"/>
                 <a:ea typeface="微軟正黑體" pitchFamily="34" charset="-120"/>
               </a:rPr>
-              <a:t>33-36</a:t>
+              <a:t>33 – 36</a:t>
             </a:r>
             <a:endParaRPr lang="en-US" b="1" dirty="0">
               <a:solidFill>
@@ -4192,15 +4198,54 @@
               <a:t>我們也是他所生的。</a:t>
             </a:r>
             <a:r>
-              <a:rPr lang="en-US" altLang="zh-TW" sz="6400" dirty="0">
+              <a:rPr lang="en-US" altLang="zh-TW" sz="6400" dirty="0" smtClean="0">
                 <a:solidFill>
                   <a:srgbClr val="002060"/>
                 </a:solidFill>
                 <a:latin typeface="微軟正黑體" pitchFamily="34" charset="-120"/>
                 <a:ea typeface="微軟正黑體" pitchFamily="34" charset="-120"/>
               </a:rPr>
-              <a:t>』 </a:t>
-            </a:r>
+              <a:t>』</a:t>
+            </a:r>
+          </a:p>
+          <a:p>
+            <a:r>
+              <a:rPr lang="zh-TW" altLang="en-US" sz="6400" b="1" dirty="0">
+                <a:solidFill>
+                  <a:srgbClr val="002060"/>
+                </a:solidFill>
+                <a:latin typeface="微軟正黑體" pitchFamily="34" charset="-120"/>
+                <a:ea typeface="微軟正黑體" pitchFamily="34" charset="-120"/>
+              </a:rPr>
+              <a:t>深哉，神豐富的智慧和知識！他的判斷何其難測！他的蹤跡何其難尋</a:t>
+            </a:r>
+            <a:r>
+              <a:rPr lang="zh-TW" altLang="en-US" sz="6400" b="1" dirty="0" smtClean="0">
+                <a:solidFill>
+                  <a:srgbClr val="002060"/>
+                </a:solidFill>
+                <a:latin typeface="微軟正黑體" pitchFamily="34" charset="-120"/>
+                <a:ea typeface="微軟正黑體" pitchFamily="34" charset="-120"/>
+              </a:rPr>
+              <a:t>！</a:t>
+            </a:r>
+            <a:r>
+              <a:rPr lang="en-US" altLang="zh-TW" sz="6400" dirty="0" smtClean="0">
+                <a:solidFill>
+                  <a:srgbClr val="002060"/>
+                </a:solidFill>
+                <a:latin typeface="微軟正黑體" pitchFamily="34" charset="-120"/>
+                <a:ea typeface="微軟正黑體" pitchFamily="34" charset="-120"/>
+              </a:rPr>
+              <a:t> </a:t>
+            </a:r>
+            <a:endParaRPr lang="en-US" altLang="zh-TW" sz="6400" dirty="0">
+              <a:solidFill>
+                <a:srgbClr val="002060"/>
+              </a:solidFill>
+              <a:latin typeface="微軟正黑體" pitchFamily="34" charset="-120"/>
+              <a:ea typeface="微軟正黑體" pitchFamily="34" charset="-120"/>
+            </a:endParaRPr>
           </a:p>
         </p:txBody>
       </p:sp>
@@ -4225,95 +4270,6 @@
 </file>
 
 <file path=ppt/slides/slide6.xml><?xml version="1.0" encoding="utf-8"?>
-<p:sld xmlns:a="http://schemas.openxmlformats.org/drawingml/2006/main" xmlns:r="http://schemas.openxmlformats.org/officeDocument/2006/relationships" xmlns:p="http://schemas.openxmlformats.org/presentationml/2006/main">
-  <p:cSld>
-    <p:spTree>
-      <p:nvGrpSpPr>
-        <p:cNvPr id="1" name=""/>
-        <p:cNvGrpSpPr/>
-        <p:nvPr/>
-      </p:nvGrpSpPr>
-      <p:grpSpPr>
-        <a:xfrm>
-          <a:off x="0" y="0"/>
-          <a:ext cx="0" cy="0"/>
-          <a:chOff x="0" y="0"/>
-          <a:chExt cx="0" cy="0"/>
-        </a:xfrm>
-      </p:grpSpPr>
-      <p:sp>
-        <p:nvSpPr>
-          <p:cNvPr id="3" name="Content Placeholder 2"/>
-          <p:cNvSpPr>
-            <a:spLocks noGrp="1"/>
-          </p:cNvSpPr>
-          <p:nvPr>
-            <p:ph idx="1"/>
-          </p:nvPr>
-        </p:nvSpPr>
-        <p:spPr>
-          <a:xfrm>
-            <a:off x="152400" y="0"/>
-            <a:ext cx="11506200" cy="7010400"/>
-          </a:xfrm>
-        </p:spPr>
-        <p:txBody>
-          <a:bodyPr anchor="ctr">
-            <a:normAutofit/>
-          </a:bodyPr>
-          <a:lstStyle/>
-          <a:p>
-            <a:r>
-              <a:rPr lang="zh-TW" altLang="en-US" sz="6400" b="1" dirty="0">
-                <a:solidFill>
-                  <a:srgbClr val="002060"/>
-                </a:solidFill>
-                <a:latin typeface="微軟正黑體" pitchFamily="34" charset="-120"/>
-                <a:ea typeface="微軟正黑體" pitchFamily="34" charset="-120"/>
-              </a:rPr>
-              <a:t>深</a:t>
-            </a:r>
-            <a:r>
-              <a:rPr lang="zh-TW" altLang="en-US" sz="6400" b="1" dirty="0">
-                <a:solidFill>
-                  <a:srgbClr val="002060"/>
-                </a:solidFill>
-                <a:latin typeface="微軟正黑體" pitchFamily="34" charset="-120"/>
-                <a:ea typeface="微軟正黑體" pitchFamily="34" charset="-120"/>
-              </a:rPr>
-              <a:t>哉，神豐富的智慧和知識！他的判斷何其難測！他的蹤跡何其難尋！</a:t>
-            </a:r>
-            <a:endParaRPr lang="en-US" altLang="zh-TW" sz="6400" b="1" dirty="0">
-              <a:solidFill>
-                <a:srgbClr val="002060"/>
-              </a:solidFill>
-              <a:latin typeface="微軟正黑體" pitchFamily="34" charset="-120"/>
-              <a:ea typeface="微軟正黑體" pitchFamily="34" charset="-120"/>
-            </a:endParaRPr>
-          </a:p>
-        </p:txBody>
-      </p:sp>
-    </p:spTree>
-    <p:extLst>
-      <p:ext uri="{BB962C8B-B14F-4D97-AF65-F5344CB8AC3E}">
-        <p14:creationId xmlns:p14="http://schemas.microsoft.com/office/powerpoint/2010/main" val="1058208996"/>
-      </p:ext>
-    </p:extLst>
-  </p:cSld>
-  <p:clrMapOvr>
-    <a:masterClrMapping/>
-  </p:clrMapOvr>
-  <p:timing>
-    <p:tnLst>
-      <p:par>
-        <p:cTn id="1" dur="indefinite" restart="never" nodeType="tmRoot"/>
-      </p:par>
-    </p:tnLst>
-  </p:timing>
-</p:sld>
-</file>
-
-<file path=ppt/slides/slide7.xml><?xml version="1.0" encoding="utf-8"?>
 <p:sld xmlns:a="http://schemas.openxmlformats.org/drawingml/2006/main" xmlns:r="http://schemas.openxmlformats.org/officeDocument/2006/relationships" xmlns:p="http://schemas.openxmlformats.org/presentationml/2006/main">
   <p:cSld>
     <p:spTree>

--- a/4神的屬性.pptx
+++ b/4神的屬性.pptx
@@ -213,7 +213,7 @@
           <a:p>
             <a:fld id="{335DED64-DA55-4567-8C92-9D8C3F04398E}" type="datetimeFigureOut">
               <a:rPr lang="zh-TW" altLang="en-US" smtClean="0"/>
-              <a:t>2020/9/4</a:t>
+              <a:t>2021/6/10</a:t>
             </a:fld>
             <a:endParaRPr lang="zh-TW" altLang="en-US"/>
           </a:p>
@@ -746,7 +746,7 @@
             <a:fld id="{86B5546F-C09B-4E63-ABC5-F7C86A7E8D66}" type="datetimeFigureOut">
               <a:rPr lang="en-US" smtClean="0"/>
               <a:pPr/>
-              <a:t>9/4/2020</a:t>
+              <a:t>6/10/2021</a:t>
             </a:fld>
             <a:endParaRPr lang="en-US"/>
           </a:p>
@@ -918,7 +918,7 @@
             <a:fld id="{86B5546F-C09B-4E63-ABC5-F7C86A7E8D66}" type="datetimeFigureOut">
               <a:rPr lang="en-US" smtClean="0"/>
               <a:pPr/>
-              <a:t>9/4/2020</a:t>
+              <a:t>6/10/2021</a:t>
             </a:fld>
             <a:endParaRPr lang="en-US"/>
           </a:p>
@@ -1100,7 +1100,7 @@
             <a:fld id="{86B5546F-C09B-4E63-ABC5-F7C86A7E8D66}" type="datetimeFigureOut">
               <a:rPr lang="en-US" smtClean="0"/>
               <a:pPr/>
-              <a:t>9/4/2020</a:t>
+              <a:t>6/10/2021</a:t>
             </a:fld>
             <a:endParaRPr lang="en-US"/>
           </a:p>
@@ -1272,7 +1272,7 @@
             <a:fld id="{86B5546F-C09B-4E63-ABC5-F7C86A7E8D66}" type="datetimeFigureOut">
               <a:rPr lang="en-US" smtClean="0"/>
               <a:pPr/>
-              <a:t>9/4/2020</a:t>
+              <a:t>6/10/2021</a:t>
             </a:fld>
             <a:endParaRPr lang="en-US"/>
           </a:p>
@@ -1520,7 +1520,7 @@
             <a:fld id="{86B5546F-C09B-4E63-ABC5-F7C86A7E8D66}" type="datetimeFigureOut">
               <a:rPr lang="en-US" smtClean="0"/>
               <a:pPr/>
-              <a:t>9/4/2020</a:t>
+              <a:t>6/10/2021</a:t>
             </a:fld>
             <a:endParaRPr lang="en-US"/>
           </a:p>
@@ -1810,7 +1810,7 @@
             <a:fld id="{86B5546F-C09B-4E63-ABC5-F7C86A7E8D66}" type="datetimeFigureOut">
               <a:rPr lang="en-US" smtClean="0"/>
               <a:pPr/>
-              <a:t>9/4/2020</a:t>
+              <a:t>6/10/2021</a:t>
             </a:fld>
             <a:endParaRPr lang="en-US"/>
           </a:p>
@@ -2234,7 +2234,7 @@
             <a:fld id="{86B5546F-C09B-4E63-ABC5-F7C86A7E8D66}" type="datetimeFigureOut">
               <a:rPr lang="en-US" smtClean="0"/>
               <a:pPr/>
-              <a:t>9/4/2020</a:t>
+              <a:t>6/10/2021</a:t>
             </a:fld>
             <a:endParaRPr lang="en-US"/>
           </a:p>
@@ -2354,7 +2354,7 @@
             <a:fld id="{86B5546F-C09B-4E63-ABC5-F7C86A7E8D66}" type="datetimeFigureOut">
               <a:rPr lang="en-US" smtClean="0"/>
               <a:pPr/>
-              <a:t>9/4/2020</a:t>
+              <a:t>6/10/2021</a:t>
             </a:fld>
             <a:endParaRPr lang="en-US"/>
           </a:p>
@@ -2451,7 +2451,7 @@
             <a:fld id="{86B5546F-C09B-4E63-ABC5-F7C86A7E8D66}" type="datetimeFigureOut">
               <a:rPr lang="en-US" smtClean="0"/>
               <a:pPr/>
-              <a:t>9/4/2020</a:t>
+              <a:t>6/10/2021</a:t>
             </a:fld>
             <a:endParaRPr lang="en-US"/>
           </a:p>
@@ -2730,7 +2730,7 @@
             <a:fld id="{86B5546F-C09B-4E63-ABC5-F7C86A7E8D66}" type="datetimeFigureOut">
               <a:rPr lang="en-US" smtClean="0"/>
               <a:pPr/>
-              <a:t>9/4/2020</a:t>
+              <a:t>6/10/2021</a:t>
             </a:fld>
             <a:endParaRPr lang="en-US"/>
           </a:p>
@@ -2989,7 +2989,7 @@
             <a:fld id="{86B5546F-C09B-4E63-ABC5-F7C86A7E8D66}" type="datetimeFigureOut">
               <a:rPr lang="en-US" smtClean="0"/>
               <a:pPr/>
-              <a:t>9/4/2020</a:t>
+              <a:t>6/10/2021</a:t>
             </a:fld>
             <a:endParaRPr lang="en-US"/>
           </a:p>
@@ -3209,7 +3209,7 @@
             <a:fld id="{86B5546F-C09B-4E63-ABC5-F7C86A7E8D66}" type="datetimeFigureOut">
               <a:rPr lang="en-US" smtClean="0"/>
               <a:pPr/>
-              <a:t>9/4/2020</a:t>
+              <a:t>6/10/2021</a:t>
             </a:fld>
             <a:endParaRPr lang="en-US"/>
           </a:p>
@@ -3661,7 +3661,7 @@
             <a:r>
               <a:rPr lang="zh-CN" altLang="en-US" b="1" dirty="0" smtClean="0">
                 <a:solidFill>
-                  <a:srgbClr val="002060"/>
+                  <a:srgbClr val="000066"/>
                 </a:solidFill>
                 <a:latin typeface="微軟正黑體" pitchFamily="34" charset="-120"/>
                 <a:ea typeface="微軟正黑體" pitchFamily="34" charset="-120"/>
@@ -3671,7 +3671,7 @@
             <a:r>
               <a:rPr lang="en-US" altLang="zh-CN" b="1" dirty="0" smtClean="0">
                 <a:solidFill>
-                  <a:srgbClr val="002060"/>
+                  <a:srgbClr val="000066"/>
                 </a:solidFill>
                 <a:latin typeface="微軟正黑體" pitchFamily="34" charset="-120"/>
                 <a:ea typeface="微軟正黑體" pitchFamily="34" charset="-120"/>
@@ -3681,7 +3681,7 @@
             <a:r>
               <a:rPr lang="zh-CN" altLang="en-US" b="1" dirty="0">
                 <a:solidFill>
-                  <a:srgbClr val="002060"/>
+                  <a:srgbClr val="000066"/>
                 </a:solidFill>
                 <a:latin typeface="微軟正黑體" pitchFamily="34" charset="-120"/>
                 <a:ea typeface="微軟正黑體" pitchFamily="34" charset="-120"/>
@@ -3691,7 +3691,7 @@
             <a:r>
               <a:rPr lang="en-US" altLang="zh-CN" b="1" dirty="0" smtClean="0">
                 <a:solidFill>
-                  <a:srgbClr val="002060"/>
+                  <a:srgbClr val="000066"/>
                 </a:solidFill>
                 <a:latin typeface="微軟正黑體" pitchFamily="34" charset="-120"/>
                 <a:ea typeface="微軟正黑體" pitchFamily="34" charset="-120"/>
@@ -3701,7 +3701,7 @@
             <a:r>
               <a:rPr lang="zh-CN" altLang="en-US" b="1" dirty="0" smtClean="0">
                 <a:solidFill>
-                  <a:srgbClr val="002060"/>
+                  <a:srgbClr val="000066"/>
                 </a:solidFill>
                 <a:latin typeface="微軟正黑體" pitchFamily="34" charset="-120"/>
                 <a:ea typeface="微軟正黑體" pitchFamily="34" charset="-120"/>
@@ -3711,7 +3711,7 @@
             <a:r>
               <a:rPr lang="en-US" altLang="zh-CN" b="1" dirty="0" smtClean="0">
                 <a:solidFill>
-                  <a:srgbClr val="002060"/>
+                  <a:srgbClr val="000066"/>
                 </a:solidFill>
                 <a:latin typeface="微軟正黑體" pitchFamily="34" charset="-120"/>
                 <a:ea typeface="微軟正黑體" pitchFamily="34" charset="-120"/>
@@ -3721,7 +3721,7 @@
             <a:r>
               <a:rPr lang="zh-CN" altLang="en-US" b="1" dirty="0">
                 <a:solidFill>
-                  <a:srgbClr val="002060"/>
+                  <a:srgbClr val="000066"/>
                 </a:solidFill>
                 <a:latin typeface="微軟正黑體" pitchFamily="34" charset="-120"/>
                 <a:ea typeface="微軟正黑體" pitchFamily="34" charset="-120"/>
@@ -3731,26 +3731,19 @@
             <a:r>
               <a:rPr lang="en-US" altLang="zh-CN" b="1" dirty="0" smtClean="0">
                 <a:solidFill>
-                  <a:srgbClr val="002060"/>
+                  <a:srgbClr val="000066"/>
                 </a:solidFill>
                 <a:latin typeface="微軟正黑體" pitchFamily="34" charset="-120"/>
                 <a:ea typeface="微軟正黑體" pitchFamily="34" charset="-120"/>
               </a:rPr>
               <a:t>24 – 28</a:t>
             </a:r>
-            <a:endParaRPr lang="en-US" altLang="zh-CN" b="1" dirty="0" smtClean="0">
-              <a:solidFill>
-                <a:srgbClr val="002060"/>
-              </a:solidFill>
-              <a:latin typeface="微軟正黑體" pitchFamily="34" charset="-120"/>
-              <a:ea typeface="微軟正黑體" pitchFamily="34" charset="-120"/>
-            </a:endParaRPr>
           </a:p>
           <a:p>
             <a:r>
               <a:rPr lang="zh-CN" altLang="en-US" b="1" dirty="0" smtClean="0">
                 <a:solidFill>
-                  <a:srgbClr val="002060"/>
+                  <a:srgbClr val="000066"/>
                 </a:solidFill>
                 <a:latin typeface="微軟正黑體" pitchFamily="34" charset="-120"/>
                 <a:ea typeface="微軟正黑體" pitchFamily="34" charset="-120"/>
@@ -3760,7 +3753,7 @@
             <a:r>
               <a:rPr lang="en-US" altLang="zh-CN" b="1" dirty="0" smtClean="0">
                 <a:solidFill>
-                  <a:srgbClr val="002060"/>
+                  <a:srgbClr val="000066"/>
                 </a:solidFill>
                 <a:latin typeface="微軟正黑體" pitchFamily="34" charset="-120"/>
                 <a:ea typeface="微軟正黑體" pitchFamily="34" charset="-120"/>
@@ -3770,7 +3763,7 @@
             <a:r>
               <a:rPr lang="zh-CN" altLang="en-US" b="1" dirty="0">
                 <a:solidFill>
-                  <a:srgbClr val="002060"/>
+                  <a:srgbClr val="000066"/>
                 </a:solidFill>
                 <a:latin typeface="微軟正黑體" pitchFamily="34" charset="-120"/>
                 <a:ea typeface="微軟正黑體" pitchFamily="34" charset="-120"/>
@@ -3780,7 +3773,7 @@
             <a:r>
               <a:rPr lang="en-US" altLang="zh-CN" b="1" dirty="0" smtClean="0">
                 <a:solidFill>
-                  <a:srgbClr val="002060"/>
+                  <a:srgbClr val="000066"/>
                 </a:solidFill>
                 <a:latin typeface="微軟正黑體" pitchFamily="34" charset="-120"/>
                 <a:ea typeface="微軟正黑體" pitchFamily="34" charset="-120"/>
@@ -3789,7 +3782,7 @@
             </a:r>
             <a:endParaRPr lang="en-US" b="1" dirty="0">
               <a:solidFill>
-                <a:srgbClr val="002060"/>
+                <a:srgbClr val="000066"/>
               </a:solidFill>
               <a:latin typeface="微軟正黑體" pitchFamily="34" charset="-120"/>
               <a:ea typeface="微軟正黑體" pitchFamily="34" charset="-120"/>
@@ -3854,7 +3847,7 @@
             <a:r>
               <a:rPr lang="zh-TW" altLang="en-US" sz="6400" dirty="0">
                 <a:solidFill>
-                  <a:srgbClr val="002060"/>
+                  <a:srgbClr val="000066"/>
                 </a:solidFill>
                 <a:latin typeface="微軟正黑體" pitchFamily="34" charset="-120"/>
                 <a:ea typeface="微軟正黑體" pitchFamily="34" charset="-120"/>
@@ -3864,7 +3857,7 @@
             <a:r>
               <a:rPr lang="en-US" altLang="zh-TW" sz="6400" dirty="0">
                 <a:solidFill>
-                  <a:srgbClr val="002060"/>
+                  <a:srgbClr val="000066"/>
                 </a:solidFill>
                 <a:latin typeface="微軟正黑體" pitchFamily="34" charset="-120"/>
                 <a:ea typeface="微軟正黑體" pitchFamily="34" charset="-120"/>
@@ -3876,7 +3869,7 @@
             <a:r>
               <a:rPr lang="zh-TW" altLang="en-US" sz="6400" b="1" dirty="0">
                 <a:solidFill>
-                  <a:srgbClr val="002060"/>
+                  <a:srgbClr val="000066"/>
                 </a:solidFill>
                 <a:latin typeface="微軟正黑體" pitchFamily="34" charset="-120"/>
                 <a:ea typeface="微軟正黑體" pitchFamily="34" charset="-120"/>
@@ -3886,7 +3879,7 @@
             <a:r>
               <a:rPr lang="en-US" altLang="zh-TW" sz="6400" b="1" dirty="0">
                 <a:solidFill>
-                  <a:srgbClr val="002060"/>
+                  <a:srgbClr val="000066"/>
                 </a:solidFill>
                 <a:latin typeface="微軟正黑體" pitchFamily="34" charset="-120"/>
                 <a:ea typeface="微軟正黑體" pitchFamily="34" charset="-120"/>
@@ -3958,7 +3951,7 @@
             <a:r>
               <a:rPr lang="zh-TW" altLang="en-US" sz="6400" dirty="0" smtClean="0">
                 <a:solidFill>
-                  <a:srgbClr val="002060"/>
+                  <a:srgbClr val="000066"/>
                 </a:solidFill>
                 <a:latin typeface="微軟正黑體" pitchFamily="34" charset="-120"/>
                 <a:ea typeface="微軟正黑體" pitchFamily="34" charset="-120"/>
@@ -3968,7 +3961,7 @@
             <a:r>
               <a:rPr lang="zh-TW" altLang="en-US" sz="6400" dirty="0">
                 <a:solidFill>
-                  <a:srgbClr val="002060"/>
+                  <a:srgbClr val="000066"/>
                 </a:solidFill>
                 <a:latin typeface="微軟正黑體" pitchFamily="34" charset="-120"/>
                 <a:ea typeface="微軟正黑體" pitchFamily="34" charset="-120"/>
@@ -3978,7 +3971,7 @@
             <a:r>
               <a:rPr lang="en-US" altLang="zh-TW" sz="6400" dirty="0">
                 <a:solidFill>
-                  <a:srgbClr val="002060"/>
+                  <a:srgbClr val="000066"/>
                 </a:solidFill>
                 <a:latin typeface="微軟正黑體" pitchFamily="34" charset="-120"/>
                 <a:ea typeface="微軟正黑體" pitchFamily="34" charset="-120"/>
@@ -3990,7 +3983,7 @@
             <a:r>
               <a:rPr lang="zh-TW" altLang="en-US" sz="6400" b="1" dirty="0">
                 <a:solidFill>
-                  <a:srgbClr val="002060"/>
+                  <a:srgbClr val="000066"/>
                 </a:solidFill>
                 <a:latin typeface="微軟正黑體" pitchFamily="34" charset="-120"/>
                 <a:ea typeface="微軟正黑體" pitchFamily="34" charset="-120"/>
@@ -4000,7 +3993,7 @@
             <a:r>
               <a:rPr lang="en-US" altLang="zh-TW" sz="6400" b="1" dirty="0">
                 <a:solidFill>
-                  <a:srgbClr val="002060"/>
+                  <a:srgbClr val="000066"/>
                 </a:solidFill>
                 <a:latin typeface="微軟正黑體" pitchFamily="34" charset="-120"/>
                 <a:ea typeface="微軟正黑體" pitchFamily="34" charset="-120"/>
@@ -4072,7 +4065,7 @@
             <a:r>
               <a:rPr lang="zh-TW" altLang="en-US" sz="6400" dirty="0">
                 <a:solidFill>
-                  <a:srgbClr val="002060"/>
+                  <a:srgbClr val="000066"/>
                 </a:solidFill>
                 <a:latin typeface="微軟正黑體" pitchFamily="34" charset="-120"/>
                 <a:ea typeface="微軟正黑體" pitchFamily="34" charset="-120"/>
@@ -4081,6 +4074,9 @@
             </a:r>
             <a:r>
               <a:rPr lang="en-US" altLang="zh-TW" sz="6600" dirty="0">
+                <a:solidFill>
+                  <a:srgbClr val="000066"/>
+                </a:solidFill>
                 <a:latin typeface="微軟正黑體" pitchFamily="34" charset="-120"/>
                 <a:ea typeface="微軟正黑體" pitchFamily="34" charset="-120"/>
               </a:rPr>
@@ -4091,7 +4087,7 @@
             <a:r>
               <a:rPr lang="zh-TW" altLang="en-US" sz="6400" b="1" dirty="0">
                 <a:solidFill>
-                  <a:srgbClr val="002060"/>
+                  <a:srgbClr val="000066"/>
                 </a:solidFill>
                 <a:latin typeface="微軟正黑體" pitchFamily="34" charset="-120"/>
                 <a:ea typeface="微軟正黑體" pitchFamily="34" charset="-120"/>
@@ -4100,7 +4096,7 @@
             </a:r>
             <a:endParaRPr lang="en-US" altLang="zh-TW" sz="6400" b="1" dirty="0">
               <a:solidFill>
-                <a:srgbClr val="002060"/>
+                <a:srgbClr val="000066"/>
               </a:solidFill>
               <a:latin typeface="微軟正黑體" pitchFamily="34" charset="-120"/>
               <a:ea typeface="微軟正黑體" pitchFamily="34" charset="-120"/>
@@ -4170,7 +4166,7 @@
             <a:r>
               <a:rPr lang="zh-TW" altLang="en-US" sz="6400" dirty="0">
                 <a:solidFill>
-                  <a:srgbClr val="002060"/>
+                  <a:srgbClr val="000066"/>
                 </a:solidFill>
                 <a:latin typeface="微軟正黑體" pitchFamily="34" charset="-120"/>
                 <a:ea typeface="微軟正黑體" pitchFamily="34" charset="-120"/>
@@ -4180,7 +4176,7 @@
             <a:r>
               <a:rPr lang="en-US" altLang="zh-TW" sz="6400" dirty="0">
                 <a:solidFill>
-                  <a:srgbClr val="002060"/>
+                  <a:srgbClr val="000066"/>
                 </a:solidFill>
                 <a:latin typeface="微軟正黑體" pitchFamily="34" charset="-120"/>
                 <a:ea typeface="微軟正黑體" pitchFamily="34" charset="-120"/>
@@ -4190,7 +4186,7 @@
             <a:r>
               <a:rPr lang="zh-TW" altLang="en-US" sz="6400" dirty="0">
                 <a:solidFill>
-                  <a:srgbClr val="002060"/>
+                  <a:srgbClr val="000066"/>
                 </a:solidFill>
                 <a:latin typeface="微軟正黑體" pitchFamily="34" charset="-120"/>
                 <a:ea typeface="微軟正黑體" pitchFamily="34" charset="-120"/>
@@ -4200,7 +4196,7 @@
             <a:r>
               <a:rPr lang="en-US" altLang="zh-TW" sz="6400" dirty="0" smtClean="0">
                 <a:solidFill>
-                  <a:srgbClr val="002060"/>
+                  <a:srgbClr val="000066"/>
                 </a:solidFill>
                 <a:latin typeface="微軟正黑體" pitchFamily="34" charset="-120"/>
                 <a:ea typeface="微軟正黑體" pitchFamily="34" charset="-120"/>
@@ -4212,7 +4208,7 @@
             <a:r>
               <a:rPr lang="zh-TW" altLang="en-US" sz="6400" b="1" dirty="0">
                 <a:solidFill>
-                  <a:srgbClr val="002060"/>
+                  <a:srgbClr val="000066"/>
                 </a:solidFill>
                 <a:latin typeface="微軟正黑體" pitchFamily="34" charset="-120"/>
                 <a:ea typeface="微軟正黑體" pitchFamily="34" charset="-120"/>
@@ -4222,7 +4218,7 @@
             <a:r>
               <a:rPr lang="zh-TW" altLang="en-US" sz="6400" b="1" dirty="0" smtClean="0">
                 <a:solidFill>
-                  <a:srgbClr val="002060"/>
+                  <a:srgbClr val="000066"/>
                 </a:solidFill>
                 <a:latin typeface="微軟正黑體" pitchFamily="34" charset="-120"/>
                 <a:ea typeface="微軟正黑體" pitchFamily="34" charset="-120"/>
@@ -4232,7 +4228,7 @@
             <a:r>
               <a:rPr lang="en-US" altLang="zh-TW" sz="6400" dirty="0" smtClean="0">
                 <a:solidFill>
-                  <a:srgbClr val="002060"/>
+                  <a:srgbClr val="000066"/>
                 </a:solidFill>
                 <a:latin typeface="微軟正黑體" pitchFamily="34" charset="-120"/>
                 <a:ea typeface="微軟正黑體" pitchFamily="34" charset="-120"/>
@@ -4241,7 +4237,7 @@
             </a:r>
             <a:endParaRPr lang="en-US" altLang="zh-TW" sz="6400" dirty="0">
               <a:solidFill>
-                <a:srgbClr val="002060"/>
+                <a:srgbClr val="000066"/>
               </a:solidFill>
               <a:latin typeface="微軟正黑體" pitchFamily="34" charset="-120"/>
               <a:ea typeface="微軟正黑體" pitchFamily="34" charset="-120"/>
@@ -4311,7 +4307,7 @@
             <a:r>
               <a:rPr lang="zh-TW" altLang="en-US" sz="6400" dirty="0">
                 <a:solidFill>
-                  <a:srgbClr val="002060"/>
+                  <a:srgbClr val="000066"/>
                 </a:solidFill>
                 <a:latin typeface="微軟正黑體" pitchFamily="34" charset="-120"/>
                 <a:ea typeface="微軟正黑體" pitchFamily="34" charset="-120"/>
@@ -4321,7 +4317,7 @@
             <a:r>
               <a:rPr lang="en-US" altLang="zh-TW" sz="6400" dirty="0">
                 <a:solidFill>
-                  <a:srgbClr val="002060"/>
+                  <a:srgbClr val="000066"/>
                 </a:solidFill>
                 <a:latin typeface="微軟正黑體" pitchFamily="34" charset="-120"/>
                 <a:ea typeface="微軟正黑體" pitchFamily="34" charset="-120"/>
@@ -4333,7 +4329,7 @@
             <a:r>
               <a:rPr lang="zh-TW" altLang="en-US" sz="6400" b="1" dirty="0">
                 <a:solidFill>
-                  <a:srgbClr val="002060"/>
+                  <a:srgbClr val="000066"/>
                 </a:solidFill>
                 <a:latin typeface="微軟正黑體" pitchFamily="34" charset="-120"/>
                 <a:ea typeface="微軟正黑體" pitchFamily="34" charset="-120"/>
@@ -4342,7 +4338,7 @@
             </a:r>
             <a:endParaRPr lang="en-US" altLang="zh-TW" sz="6400" b="1" dirty="0">
               <a:solidFill>
-                <a:srgbClr val="002060"/>
+                <a:srgbClr val="000066"/>
               </a:solidFill>
               <a:latin typeface="微軟正黑體" pitchFamily="34" charset="-120"/>
               <a:ea typeface="微軟正黑體" pitchFamily="34" charset="-120"/>
